--- a/resources/usage.pptx
+++ b/resources/usage.pptx
@@ -3917,8 +3917,8 @@
         </p:nvSpPr>
         <p:spPr>
           <a:xfrm>
-            <a:off x="7471824" y="17746304"/>
-            <a:ext cx="6891980" cy="3543300"/>
+            <a:off x="7471824" y="16981419"/>
+            <a:ext cx="6891980" cy="5242555"/>
           </a:xfrm>
           <a:prstGeom prst="leftRightArrowCallout">
             <a:avLst>
@@ -3999,7 +3999,7 @@
                 <a:latin typeface="Arial" panose="020B0604020202020204" pitchFamily="34" charset="0"/>
                 <a:cs typeface="Arial" panose="020B0604020202020204" pitchFamily="34" charset="0"/>
               </a:rPr>
-              <a:t>Hier sieht man die gefahrene Strecke und die Orte, an denen die App Ereignisse erkannt hat. Durch Tippen auf die Markierungen wird die Ereignisansicht geöffnet, um das Ereignis zu annotieren.</a:t>
+              <a:t>Hier sieht man die gefahrene Strecke und bereits von der App erkannte Ereignisorte. Durch Tippen auf die Markierungen wird die Ereignisansicht geöffnet, um das Ereignis zu annotieren. Falls einige von der App erkannten Orte nicht richtig sind, können diese einfach ignoriert werden; nicht annotierte Ereignisse werden beim Upload verworfen.</a:t>
             </a:r>
           </a:p>
         </p:txBody>
@@ -4108,7 +4108,7 @@
                 <a:latin typeface="Arial" panose="020B0604020202020204" pitchFamily="34" charset="0"/>
                 <a:cs typeface="Arial" panose="020B0604020202020204" pitchFamily="34" charset="0"/>
               </a:rPr>
-              <a:t>Hier kann genauer beschrieben werden, was bei dem Ereignis passiert ist und ob man es als bedrohlich empfunden hat. Dabei kann auf vorgefertigte Ereigniskategorien zu-rückgegriffen werden.</a:t>
+              <a:t>Hier kann genauer beschrieben werden, was bei dem Ereignis passiert ist und ob man es als bedrohlich empfunden hat. Dabei kann auf vorgefertigte Ereigniskategorien zurückgegriffen werden.</a:t>
             </a:r>
           </a:p>
         </p:txBody>
